--- a/cn/images/banner.pptx
+++ b/cn/images/banner.pptx
@@ -104,6 +104,11 @@
       </a:defRPr>
     </a:lvl9pPr>
   </p:defaultTextStyle>
+  <p:extLst>
+    <p:ext uri="{EFAFB233-063F-42B5-8137-9DF3F51BA10A}">
+      <p15:sldGuideLst xmlns:p15="http://schemas.microsoft.com/office/powerpoint/2012/main"/>
+    </p:ext>
+  </p:extLst>
 </p:presentation>
 </file>
 
@@ -256,7 +261,7 @@
           <a:p>
             <a:fld id="{D1D3205E-6E89-443C-B302-4693E120D7F3}" type="datetimeFigureOut">
               <a:rPr lang="en-SG" smtClean="0"/>
-              <a:t>19/1/2020</a:t>
+              <a:t>27/8/2020</a:t>
             </a:fld>
             <a:endParaRPr lang="en-SG"/>
           </a:p>
@@ -456,7 +461,7 @@
           <a:p>
             <a:fld id="{D1D3205E-6E89-443C-B302-4693E120D7F3}" type="datetimeFigureOut">
               <a:rPr lang="en-SG" smtClean="0"/>
-              <a:t>19/1/2020</a:t>
+              <a:t>27/8/2020</a:t>
             </a:fld>
             <a:endParaRPr lang="en-SG"/>
           </a:p>
@@ -666,7 +671,7 @@
           <a:p>
             <a:fld id="{D1D3205E-6E89-443C-B302-4693E120D7F3}" type="datetimeFigureOut">
               <a:rPr lang="en-SG" smtClean="0"/>
-              <a:t>19/1/2020</a:t>
+              <a:t>27/8/2020</a:t>
             </a:fld>
             <a:endParaRPr lang="en-SG"/>
           </a:p>
@@ -866,7 +871,7 @@
           <a:p>
             <a:fld id="{D1D3205E-6E89-443C-B302-4693E120D7F3}" type="datetimeFigureOut">
               <a:rPr lang="en-SG" smtClean="0"/>
-              <a:t>19/1/2020</a:t>
+              <a:t>27/8/2020</a:t>
             </a:fld>
             <a:endParaRPr lang="en-SG"/>
           </a:p>
@@ -1142,7 +1147,7 @@
           <a:p>
             <a:fld id="{D1D3205E-6E89-443C-B302-4693E120D7F3}" type="datetimeFigureOut">
               <a:rPr lang="en-SG" smtClean="0"/>
-              <a:t>19/1/2020</a:t>
+              <a:t>27/8/2020</a:t>
             </a:fld>
             <a:endParaRPr lang="en-SG"/>
           </a:p>
@@ -1410,7 +1415,7 @@
           <a:p>
             <a:fld id="{D1D3205E-6E89-443C-B302-4693E120D7F3}" type="datetimeFigureOut">
               <a:rPr lang="en-SG" smtClean="0"/>
-              <a:t>19/1/2020</a:t>
+              <a:t>27/8/2020</a:t>
             </a:fld>
             <a:endParaRPr lang="en-SG"/>
           </a:p>
@@ -1825,7 +1830,7 @@
           <a:p>
             <a:fld id="{D1D3205E-6E89-443C-B302-4693E120D7F3}" type="datetimeFigureOut">
               <a:rPr lang="en-SG" smtClean="0"/>
-              <a:t>19/1/2020</a:t>
+              <a:t>27/8/2020</a:t>
             </a:fld>
             <a:endParaRPr lang="en-SG"/>
           </a:p>
@@ -1967,7 +1972,7 @@
           <a:p>
             <a:fld id="{D1D3205E-6E89-443C-B302-4693E120D7F3}" type="datetimeFigureOut">
               <a:rPr lang="en-SG" smtClean="0"/>
-              <a:t>19/1/2020</a:t>
+              <a:t>27/8/2020</a:t>
             </a:fld>
             <a:endParaRPr lang="en-SG"/>
           </a:p>
@@ -2080,7 +2085,7 @@
           <a:p>
             <a:fld id="{D1D3205E-6E89-443C-B302-4693E120D7F3}" type="datetimeFigureOut">
               <a:rPr lang="en-SG" smtClean="0"/>
-              <a:t>19/1/2020</a:t>
+              <a:t>27/8/2020</a:t>
             </a:fld>
             <a:endParaRPr lang="en-SG"/>
           </a:p>
@@ -2393,7 +2398,7 @@
           <a:p>
             <a:fld id="{D1D3205E-6E89-443C-B302-4693E120D7F3}" type="datetimeFigureOut">
               <a:rPr lang="en-SG" smtClean="0"/>
-              <a:t>19/1/2020</a:t>
+              <a:t>27/8/2020</a:t>
             </a:fld>
             <a:endParaRPr lang="en-SG"/>
           </a:p>
@@ -2682,7 +2687,7 @@
           <a:p>
             <a:fld id="{D1D3205E-6E89-443C-B302-4693E120D7F3}" type="datetimeFigureOut">
               <a:rPr lang="en-SG" smtClean="0"/>
-              <a:t>19/1/2020</a:t>
+              <a:t>27/8/2020</a:t>
             </a:fld>
             <a:endParaRPr lang="en-SG"/>
           </a:p>
@@ -2925,7 +2930,7 @@
           <a:p>
             <a:fld id="{D1D3205E-6E89-443C-B302-4693E120D7F3}" type="datetimeFigureOut">
               <a:rPr lang="en-SG" smtClean="0"/>
-              <a:t>19/1/2020</a:t>
+              <a:t>27/8/2020</a:t>
             </a:fld>
             <a:endParaRPr lang="en-SG"/>
           </a:p>
@@ -3515,6 +3520,163 @@
           </a:p>
         </p:txBody>
       </p:sp>
+      <p:pic>
+        <p:nvPicPr>
+          <p:cNvPr id="6" name="Picture 5">
+            <a:extLst>
+              <a:ext uri="{FF2B5EF4-FFF2-40B4-BE49-F238E27FC236}">
+                <a16:creationId xmlns:a16="http://schemas.microsoft.com/office/drawing/2014/main" id="{49D3ABC8-63E6-4AB4-ADEC-63D459343A0C}"/>
+              </a:ext>
+            </a:extLst>
+          </p:cNvPr>
+          <p:cNvPicPr>
+            <a:picLocks noChangeAspect="1"/>
+          </p:cNvPicPr>
+          <p:nvPr/>
+        </p:nvPicPr>
+        <p:blipFill rotWithShape="1">
+          <a:blip r:embed="rId2">
+            <a:extLst>
+              <a:ext uri="{28A0092B-C50C-407E-A947-70E740481C1C}">
+                <a14:useLocalDpi xmlns:a14="http://schemas.microsoft.com/office/drawing/2010/main" val="0"/>
+              </a:ext>
+            </a:extLst>
+          </a:blip>
+          <a:srcRect l="43143" r="10867"/>
+          <a:stretch/>
+        </p:blipFill>
+        <p:spPr>
+          <a:xfrm>
+            <a:off x="1287189" y="3439410"/>
+            <a:ext cx="6764612" cy="3010550"/>
+          </a:xfrm>
+          <a:prstGeom prst="rect">
+            <a:avLst/>
+          </a:prstGeom>
+        </p:spPr>
+      </p:pic>
+      <p:sp>
+        <p:nvSpPr>
+          <p:cNvPr id="10" name="Rectangle: Rounded Corners 9">
+            <a:extLst>
+              <a:ext uri="{FF2B5EF4-FFF2-40B4-BE49-F238E27FC236}">
+                <a16:creationId xmlns:a16="http://schemas.microsoft.com/office/drawing/2014/main" id="{DBD2FA7A-2B1D-4764-96B2-4DF5594A9A1C}"/>
+              </a:ext>
+            </a:extLst>
+          </p:cNvPr>
+          <p:cNvSpPr/>
+          <p:nvPr/>
+        </p:nvSpPr>
+        <p:spPr>
+          <a:xfrm>
+            <a:off x="2031714" y="3786825"/>
+            <a:ext cx="2584736" cy="1151510"/>
+          </a:xfrm>
+          <a:prstGeom prst="roundRect">
+            <a:avLst/>
+          </a:prstGeom>
+          <a:solidFill>
+            <a:schemeClr val="bg1">
+              <a:alpha val="50196"/>
+            </a:schemeClr>
+          </a:solidFill>
+        </p:spPr>
+        <p:style>
+          <a:lnRef idx="2">
+            <a:schemeClr val="accent1">
+              <a:shade val="50000"/>
+            </a:schemeClr>
+          </a:lnRef>
+          <a:fillRef idx="1">
+            <a:schemeClr val="accent1"/>
+          </a:fillRef>
+          <a:effectRef idx="0">
+            <a:schemeClr val="accent1"/>
+          </a:effectRef>
+          <a:fontRef idx="minor">
+            <a:schemeClr val="lt1"/>
+          </a:fontRef>
+        </p:style>
+        <p:txBody>
+          <a:bodyPr rtlCol="0" anchor="ctr"/>
+          <a:lstStyle/>
+          <a:p>
+            <a:pPr algn="ctr"/>
+            <a:endParaRPr lang="en-SG"/>
+          </a:p>
+        </p:txBody>
+      </p:sp>
+      <p:pic>
+        <p:nvPicPr>
+          <p:cNvPr id="11" name="Picture 10">
+            <a:extLst>
+              <a:ext uri="{FF2B5EF4-FFF2-40B4-BE49-F238E27FC236}">
+                <a16:creationId xmlns:a16="http://schemas.microsoft.com/office/drawing/2014/main" id="{C50E912B-4A93-4BAE-A91D-5A289117CDC2}"/>
+              </a:ext>
+            </a:extLst>
+          </p:cNvPr>
+          <p:cNvPicPr>
+            <a:picLocks noChangeAspect="1"/>
+          </p:cNvPicPr>
+          <p:nvPr/>
+        </p:nvPicPr>
+        <p:blipFill rotWithShape="1">
+          <a:blip r:embed="rId3">
+            <a:extLst>
+              <a:ext uri="{28A0092B-C50C-407E-A947-70E740481C1C}">
+                <a14:useLocalDpi xmlns:a14="http://schemas.microsoft.com/office/drawing/2010/main" val="0"/>
+              </a:ext>
+            </a:extLst>
+          </a:blip>
+          <a:srcRect l="6772" b="36242"/>
+          <a:stretch/>
+        </p:blipFill>
+        <p:spPr>
+          <a:xfrm>
+            <a:off x="1982375" y="3600854"/>
+            <a:ext cx="1844594" cy="1261489"/>
+          </a:xfrm>
+          <a:prstGeom prst="rect">
+            <a:avLst/>
+          </a:prstGeom>
+        </p:spPr>
+      </p:pic>
+      <p:pic>
+        <p:nvPicPr>
+          <p:cNvPr id="3" name="Picture 2">
+            <a:extLst>
+              <a:ext uri="{FF2B5EF4-FFF2-40B4-BE49-F238E27FC236}">
+                <a16:creationId xmlns:a16="http://schemas.microsoft.com/office/drawing/2014/main" id="{94FCCEF5-2672-4927-B1B8-2BBF9EDD43DC}"/>
+              </a:ext>
+            </a:extLst>
+          </p:cNvPr>
+          <p:cNvPicPr>
+            <a:picLocks noChangeAspect="1"/>
+          </p:cNvPicPr>
+          <p:nvPr/>
+        </p:nvPicPr>
+        <p:blipFill>
+          <a:blip r:embed="rId4">
+            <a:extLst>
+              <a:ext uri="{28A0092B-C50C-407E-A947-70E740481C1C}">
+                <a14:useLocalDpi xmlns:a14="http://schemas.microsoft.com/office/drawing/2010/main" val="0"/>
+              </a:ext>
+            </a:extLst>
+          </a:blip>
+          <a:stretch>
+            <a:fillRect/>
+          </a:stretch>
+        </p:blipFill>
+        <p:spPr>
+          <a:xfrm>
+            <a:off x="3606846" y="3897351"/>
+            <a:ext cx="964648" cy="964992"/>
+          </a:xfrm>
+          <a:prstGeom prst="rect">
+            <a:avLst/>
+          </a:prstGeom>
+        </p:spPr>
+      </p:pic>
     </p:spTree>
     <p:extLst>
       <p:ext uri="{BB962C8B-B14F-4D97-AF65-F5344CB8AC3E}">
